--- a/ClassMaterials/UsingObjectsAndAPIs/Slides/Part3-JavaArrayLists.pptx
+++ b/ClassMaterials/UsingObjectsAndAPIs/Slides/Part3-JavaArrayLists.pptx
@@ -5,7 +5,7 @@
     <p:sldMasterId id="2147483648" r:id="rId1"/>
   </p:sldMasterIdLst>
   <p:notesMasterIdLst>
-    <p:notesMasterId r:id="rId19"/>
+    <p:notesMasterId r:id="rId20"/>
   </p:notesMasterIdLst>
   <p:sldIdLst>
     <p:sldId id="310" r:id="rId2"/>
@@ -24,7 +24,8 @@
     <p:sldId id="326" r:id="rId15"/>
     <p:sldId id="327" r:id="rId16"/>
     <p:sldId id="273" r:id="rId17"/>
-    <p:sldId id="296" r:id="rId18"/>
+    <p:sldId id="331" r:id="rId18"/>
+    <p:sldId id="296" r:id="rId19"/>
   </p:sldIdLst>
   <p:sldSz cx="9144000" cy="6858000" type="screen4x3"/>
   <p:notesSz cx="6858000" cy="9144000"/>
@@ -7679,6 +7680,383 @@
       </p:grpSpPr>
       <p:sp>
         <p:nvSpPr>
+          <p:cNvPr id="171" name="Shape 171"/>
+          <p:cNvSpPr>
+            <a:spLocks noGrp="1"/>
+          </p:cNvSpPr>
+          <p:nvPr>
+            <p:ph type="title"/>
+          </p:nvPr>
+        </p:nvSpPr>
+        <p:spPr>
+          <a:xfrm>
+            <a:off x="457200" y="274638"/>
+            <a:ext cx="8229600" cy="1143001"/>
+          </a:xfrm>
+          <a:prstGeom prst="rect">
+            <a:avLst/>
+          </a:prstGeom>
+        </p:spPr>
+        <p:txBody>
+          <a:bodyPr/>
+          <a:lstStyle/>
+          <a:p>
+            <a:pPr lvl="0">
+              <a:defRPr sz="1800"/>
+            </a:pPr>
+            <a:r>
+              <a:rPr sz="4400"/>
+              <a:t>Enhanced For and </a:t>
+            </a:r>
+            <a:r>
+              <a:rPr sz="4400" err="1"/>
+              <a:t>ArrayList’s</a:t>
+            </a:r>
+            <a:endParaRPr sz="4400"/>
+          </a:p>
+        </p:txBody>
+      </p:sp>
+      <p:sp>
+        <p:nvSpPr>
+          <p:cNvPr id="172" name="Shape 172"/>
+          <p:cNvSpPr>
+            <a:spLocks noGrp="1"/>
+          </p:cNvSpPr>
+          <p:nvPr>
+            <p:ph type="body" idx="1"/>
+          </p:nvPr>
+        </p:nvSpPr>
+        <p:spPr>
+          <a:xfrm>
+            <a:off x="152400" y="1481137"/>
+            <a:ext cx="8991600" cy="4525964"/>
+          </a:xfrm>
+          <a:prstGeom prst="rect">
+            <a:avLst/>
+          </a:prstGeom>
+        </p:spPr>
+        <p:txBody>
+          <a:bodyPr>
+            <a:normAutofit/>
+          </a:bodyPr>
+          <a:lstStyle/>
+          <a:p>
+            <a:pPr marL="0" lvl="0" indent="0">
+              <a:buClr>
+                <a:srgbClr val="9BBB59"/>
+              </a:buClr>
+              <a:buNone/>
+              <a:tabLst>
+                <a:tab pos="330200" algn="l"/>
+                <a:tab pos="620713" algn="l"/>
+                <a:tab pos="912813" algn="l"/>
+              </a:tabLst>
+              <a:defRPr sz="1800"/>
+            </a:pPr>
+            <a:r>
+              <a:rPr sz="3200" dirty="0" err="1">
+                <a:latin typeface="Courier New"/>
+                <a:ea typeface="Courier New"/>
+                <a:cs typeface="Courier New"/>
+                <a:sym typeface="Courier New"/>
+              </a:rPr>
+              <a:t>ArrayList</a:t>
+            </a:r>
+            <a:r>
+              <a:rPr sz="3200" dirty="0">
+                <a:latin typeface="Courier New"/>
+                <a:ea typeface="Courier New"/>
+                <a:cs typeface="Courier New"/>
+                <a:sym typeface="Courier New"/>
+              </a:rPr>
+              <a:t>&lt;State&gt; states = </a:t>
+            </a:r>
+            <a:r>
+              <a:rPr lang="en-US" sz="3200" b="1" dirty="0">
+                <a:latin typeface="Courier New"/>
+                <a:ea typeface="Courier New"/>
+                <a:cs typeface="Courier New"/>
+                <a:sym typeface="Courier New"/>
+              </a:rPr>
+              <a:t>new</a:t>
+            </a:r>
+            <a:r>
+              <a:rPr lang="en-US" sz="3200" dirty="0">
+                <a:latin typeface="Courier New"/>
+                <a:ea typeface="Courier New"/>
+                <a:cs typeface="Courier New"/>
+                <a:sym typeface="Courier New"/>
+              </a:rPr>
+              <a:t> </a:t>
+            </a:r>
+            <a:r>
+              <a:rPr sz="3200" dirty="0">
+                <a:latin typeface="Courier New"/>
+                <a:ea typeface="Courier New"/>
+                <a:cs typeface="Courier New"/>
+                <a:sym typeface="Courier New"/>
+              </a:rPr>
+              <a:t>…</a:t>
+            </a:r>
+            <a:br>
+              <a:rPr sz="3200" dirty="0">
+                <a:latin typeface="Courier New"/>
+                <a:ea typeface="Courier New"/>
+                <a:cs typeface="Courier New"/>
+                <a:sym typeface="Courier New"/>
+              </a:rPr>
+            </a:br>
+            <a:r>
+              <a:rPr sz="3200" dirty="0">
+                <a:latin typeface="Courier New"/>
+                <a:ea typeface="Courier New"/>
+                <a:cs typeface="Courier New"/>
+                <a:sym typeface="Courier New"/>
+              </a:rPr>
+              <a:t>int total = 0;</a:t>
+            </a:r>
+            <a:br>
+              <a:rPr sz="3200" dirty="0">
+                <a:latin typeface="Courier New"/>
+                <a:ea typeface="Courier New"/>
+                <a:cs typeface="Courier New"/>
+                <a:sym typeface="Courier New"/>
+              </a:rPr>
+            </a:br>
+            <a:r>
+              <a:rPr sz="3200" b="1" dirty="0">
+                <a:latin typeface="Courier New"/>
+                <a:ea typeface="Courier New"/>
+                <a:cs typeface="Courier New"/>
+                <a:sym typeface="Courier New"/>
+              </a:rPr>
+              <a:t>for</a:t>
+            </a:r>
+            <a:r>
+              <a:rPr sz="3200" dirty="0">
+                <a:latin typeface="Courier New"/>
+                <a:ea typeface="Courier New"/>
+                <a:cs typeface="Courier New"/>
+                <a:sym typeface="Courier New"/>
+              </a:rPr>
+              <a:t> (State </a:t>
+            </a:r>
+            <a:r>
+              <a:rPr lang="en-US" sz="3200" dirty="0" err="1">
+                <a:latin typeface="Courier New"/>
+                <a:ea typeface="Courier New"/>
+                <a:cs typeface="Courier New"/>
+                <a:sym typeface="Courier New"/>
+              </a:rPr>
+              <a:t>oneState</a:t>
+            </a:r>
+            <a:r>
+              <a:rPr sz="3200" dirty="0">
+                <a:latin typeface="Courier New"/>
+                <a:ea typeface="Courier New"/>
+                <a:cs typeface="Courier New"/>
+                <a:sym typeface="Courier New"/>
+              </a:rPr>
+              <a:t> : states) {</a:t>
+            </a:r>
+          </a:p>
+          <a:p>
+            <a:pPr marL="0" lvl="0" indent="0">
+              <a:buSzTx/>
+              <a:buNone/>
+              <a:tabLst>
+                <a:tab pos="330200" algn="l"/>
+                <a:tab pos="620713" algn="l"/>
+                <a:tab pos="912813" algn="l"/>
+              </a:tabLst>
+              <a:defRPr sz="1800"/>
+            </a:pPr>
+            <a:r>
+              <a:rPr lang="en-US" dirty="0">
+                <a:latin typeface="Courier New"/>
+                <a:ea typeface="Courier New"/>
+                <a:cs typeface="Courier New"/>
+                <a:sym typeface="Courier New"/>
+              </a:rPr>
+              <a:t>	</a:t>
+            </a:r>
+            <a:r>
+              <a:rPr sz="2800" dirty="0">
+                <a:latin typeface="Courier New"/>
+                <a:ea typeface="Courier New"/>
+                <a:cs typeface="Courier New"/>
+                <a:sym typeface="Courier New"/>
+              </a:rPr>
+              <a:t>total += </a:t>
+            </a:r>
+            <a:r>
+              <a:rPr lang="en-US" sz="2800" dirty="0" err="1">
+                <a:latin typeface="Courier New"/>
+                <a:ea typeface="Courier New"/>
+                <a:cs typeface="Courier New"/>
+                <a:sym typeface="Courier New"/>
+              </a:rPr>
+              <a:t>oneState</a:t>
+            </a:r>
+            <a:r>
+              <a:rPr sz="2800" dirty="0" err="1">
+                <a:latin typeface="Courier New"/>
+                <a:ea typeface="Courier New"/>
+                <a:cs typeface="Courier New"/>
+                <a:sym typeface="Courier New"/>
+              </a:rPr>
+              <a:t>.getElectoralVotes</a:t>
+            </a:r>
+            <a:r>
+              <a:rPr sz="2800" dirty="0">
+                <a:latin typeface="Courier New"/>
+                <a:ea typeface="Courier New"/>
+                <a:cs typeface="Courier New"/>
+                <a:sym typeface="Courier New"/>
+              </a:rPr>
+              <a:t>();</a:t>
+            </a:r>
+            <a:endParaRPr lang="en-US" sz="2800" dirty="0">
+              <a:latin typeface="Courier New"/>
+              <a:ea typeface="Courier New"/>
+              <a:cs typeface="Courier New"/>
+              <a:sym typeface="Courier New"/>
+            </a:endParaRPr>
+          </a:p>
+          <a:p>
+            <a:pPr marL="0" lvl="0" indent="0">
+              <a:buSzTx/>
+              <a:buNone/>
+              <a:tabLst>
+                <a:tab pos="330200" algn="l"/>
+                <a:tab pos="620713" algn="l"/>
+                <a:tab pos="912813" algn="l"/>
+              </a:tabLst>
+              <a:defRPr sz="1800"/>
+            </a:pPr>
+            <a:r>
+              <a:rPr sz="3200" dirty="0">
+                <a:latin typeface="Courier New"/>
+                <a:ea typeface="Courier New"/>
+                <a:cs typeface="Courier New"/>
+                <a:sym typeface="Courier New"/>
+              </a:rPr>
+              <a:t>}</a:t>
+            </a:r>
+            <a:r>
+              <a:rPr lang="en-US" sz="3200" dirty="0">
+                <a:latin typeface="Courier New"/>
+                <a:ea typeface="Courier New"/>
+                <a:cs typeface="Courier New"/>
+                <a:sym typeface="Courier New"/>
+              </a:rPr>
+              <a:t> // end for	</a:t>
+            </a:r>
+          </a:p>
+          <a:p>
+            <a:pPr>
+              <a:defRPr sz="1800"/>
+            </a:pPr>
+            <a:r>
+              <a:rPr lang="en-US" sz="3200" dirty="0">
+                <a:latin typeface="+mj-lt"/>
+                <a:ea typeface="Courier New"/>
+                <a:cs typeface="Courier New"/>
+                <a:sym typeface="Courier New"/>
+              </a:rPr>
+              <a:t>State is a user defined class</a:t>
+            </a:r>
+          </a:p>
+          <a:p>
+            <a:pPr>
+              <a:defRPr sz="1800"/>
+            </a:pPr>
+            <a:r>
+              <a:rPr lang="en-US" sz="3200" dirty="0" err="1">
+                <a:latin typeface="+mj-lt"/>
+                <a:ea typeface="Courier New"/>
+                <a:cs typeface="Courier New"/>
+                <a:sym typeface="Courier New"/>
+              </a:rPr>
+              <a:t>getElectoralVotes</a:t>
+            </a:r>
+            <a:r>
+              <a:rPr lang="en-US" sz="3200" dirty="0">
+                <a:latin typeface="+mj-lt"/>
+                <a:ea typeface="Courier New"/>
+                <a:cs typeface="Courier New"/>
+                <a:sym typeface="Courier New"/>
+              </a:rPr>
+              <a:t>() is a method in State</a:t>
+            </a:r>
+            <a:br>
+              <a:rPr lang="en-US" sz="3200" dirty="0">
+                <a:latin typeface="+mj-lt"/>
+                <a:ea typeface="Courier New"/>
+                <a:cs typeface="Courier New"/>
+                <a:sym typeface="Courier New"/>
+              </a:rPr>
+            </a:br>
+            <a:r>
+              <a:rPr lang="en-US" sz="3200" dirty="0">
+                <a:latin typeface="+mj-lt"/>
+                <a:ea typeface="Courier New"/>
+                <a:cs typeface="Courier New"/>
+                <a:sym typeface="Courier New"/>
+              </a:rPr>
+              <a:t>which returns an </a:t>
+            </a:r>
+            <a:r>
+              <a:rPr lang="en-US" sz="3200" i="1" dirty="0">
+                <a:latin typeface="+mj-lt"/>
+                <a:ea typeface="Courier New"/>
+                <a:cs typeface="Courier New"/>
+                <a:sym typeface="Courier New"/>
+              </a:rPr>
+              <a:t>int</a:t>
+            </a:r>
+            <a:endParaRPr sz="3200" dirty="0">
+              <a:latin typeface="+mj-lt"/>
+              <a:ea typeface="Courier New"/>
+              <a:cs typeface="Courier New"/>
+              <a:sym typeface="Courier New"/>
+            </a:endParaRPr>
+          </a:p>
+        </p:txBody>
+      </p:sp>
+    </p:spTree>
+    <p:extLst>
+      <p:ext uri="{BB962C8B-B14F-4D97-AF65-F5344CB8AC3E}">
+        <p14:creationId xmlns:p14="http://schemas.microsoft.com/office/powerpoint/2010/main" val="3578535065"/>
+      </p:ext>
+    </p:extLst>
+  </p:cSld>
+  <p:clrMapOvr>
+    <a:masterClrMapping/>
+  </p:clrMapOvr>
+  <p:transition spd="med"/>
+</p:sld>
+</file>
+
+<file path=ppt/slides/slide18.xml><?xml version="1.0" encoding="utf-8"?>
+<p:sld xmlns:a="http://schemas.openxmlformats.org/drawingml/2006/main" xmlns:r="http://schemas.openxmlformats.org/officeDocument/2006/relationships" xmlns:p="http://schemas.openxmlformats.org/presentationml/2006/main">
+  <p:cSld>
+    <p:spTree>
+      <p:nvGrpSpPr>
+        <p:cNvPr id="1" name=""/>
+        <p:cNvGrpSpPr/>
+        <p:nvPr/>
+      </p:nvGrpSpPr>
+      <p:grpSpPr>
+        <a:xfrm>
+          <a:off x="0" y="0"/>
+          <a:ext cx="0" cy="0"/>
+          <a:chOff x="0" y="0"/>
+          <a:chExt cx="0" cy="0"/>
+        </a:xfrm>
+      </p:grpSpPr>
+      <p:sp>
+        <p:nvSpPr>
           <p:cNvPr id="2" name="Title 1"/>
           <p:cNvSpPr>
             <a:spLocks noGrp="1"/>
@@ -7747,16 +8125,12 @@
               <a:buAutoNum type="arabicPeriod"/>
             </a:pPr>
             <a:r>
-              <a:rPr lang="en-US"/>
-              <a:t>Work </a:t>
-            </a:r>
-            <a:r>
               <a:rPr lang="en-US" dirty="0"/>
-              <a:t>on </a:t>
+              <a:t>Work on </a:t>
             </a:r>
             <a:r>
               <a:rPr lang="en-US" dirty="0" err="1"/>
-              <a:t>TwelveProblems</a:t>
+              <a:t>TenProblems</a:t>
             </a:r>
             <a:endParaRPr lang="en-US" dirty="0"/>
           </a:p>
@@ -7786,7 +8160,7 @@
             <a:pPr lvl="0"/>
             <a:fld id="{86CB4B4D-7CA3-9044-876B-883B54F8677D}" type="slidenum">
               <a:rPr lang="en-US" smtClean="0"/>
-              <a:t>17</a:t>
+              <a:t>18</a:t>
             </a:fld>
             <a:endParaRPr lang="en-US"/>
           </a:p>
